--- a/Project PPT.pptx
+++ b/Project PPT.pptx
@@ -4461,51 +4461,31 @@
       </p:sp>
       <p:pic>
         <p:nvPicPr>
-          <p:cNvPr id="3074" name="Picture 2">
+          <p:cNvPr id="5" name="Content Placeholder 4">
             <a:extLst>
               <a:ext uri="{FF2B5EF4-FFF2-40B4-BE49-F238E27FC236}">
-                <a16:creationId xmlns:a16="http://schemas.microsoft.com/office/drawing/2014/main" id="{5003A1A6-F55C-4A60-A802-226DB1E834E8}"/>
+                <a16:creationId xmlns:a16="http://schemas.microsoft.com/office/drawing/2014/main" id="{577BA157-FA87-45DE-BD68-A785A44CF020}"/>
               </a:ext>
             </a:extLst>
           </p:cNvPr>
           <p:cNvPicPr>
-            <a:picLocks noGrp="1" noChangeAspect="1" noChangeArrowheads="1"/>
+            <a:picLocks noGrp="1" noChangeAspect="1"/>
           </p:cNvPicPr>
           <p:nvPr>
             <p:ph idx="1"/>
           </p:nvPr>
         </p:nvPicPr>
         <p:blipFill>
-          <a:blip r:embed="rId2">
-            <a:extLst>
-              <a:ext uri="{28A0092B-C50C-407E-A947-70E740481C1C}">
-                <a14:useLocalDpi xmlns:a14="http://schemas.microsoft.com/office/drawing/2010/main" val="0"/>
-              </a:ext>
-            </a:extLst>
-          </a:blip>
-          <a:srcRect/>
+          <a:blip r:embed="rId2"/>
           <a:stretch>
             <a:fillRect/>
           </a:stretch>
         </p:blipFill>
-        <p:spPr bwMode="auto">
-          <a:xfrm>
-            <a:off x="65988" y="1536699"/>
-            <a:ext cx="11802358" cy="5109197"/>
-          </a:xfrm>
-          <a:prstGeom prst="rect">
-            <a:avLst/>
-          </a:prstGeom>
-          <a:noFill/>
-          <a:extLst>
-            <a:ext uri="{909E8E84-426E-40DD-AFC4-6F175D3DCCD1}">
-              <a14:hiddenFill xmlns:a14="http://schemas.microsoft.com/office/drawing/2010/main">
-                <a:solidFill>
-                  <a:srgbClr val="FFFFFF"/>
-                </a:solidFill>
-              </a14:hiddenFill>
-            </a:ext>
-          </a:extLst>
+        <p:spPr>
+          <a:xfrm>
+            <a:off x="581192" y="1639360"/>
+            <a:ext cx="11312165" cy="4977014"/>
+          </a:xfrm>
         </p:spPr>
       </p:pic>
     </p:spTree>
@@ -7232,24 +7212,6 @@
 </file>
 
 <file path=customXml/item1.xml><?xml version="1.0" encoding="utf-8"?>
-<?mso-contentType ?>
-<FormTemplates xmlns="http://schemas.microsoft.com/sharepoint/v3/contenttype/forms">
-  <Display>DocumentLibraryForm</Display>
-  <Edit>DocumentLibraryForm</Edit>
-  <New>DocumentLibraryForm</New>
-</FormTemplates>
-</file>
-
-<file path=customXml/item2.xml><?xml version="1.0" encoding="utf-8"?>
-<p:properties xmlns:p="http://schemas.microsoft.com/office/2006/metadata/properties" xmlns:xsi="http://www.w3.org/2001/XMLSchema-instance" xmlns:pc="http://schemas.microsoft.com/office/infopath/2007/PartnerControls">
-  <documentManagement>
-    <Status xmlns="71af3243-3dd4-4a8d-8c0d-dd76da1f02a5">Not started</Status>
-    <MediaServiceKeyPoints xmlns="71af3243-3dd4-4a8d-8c0d-dd76da1f02a5" xsi:nil="true"/>
-  </documentManagement>
-</p:properties>
-</file>
-
-<file path=customXml/item3.xml><?xml version="1.0" encoding="utf-8"?>
 <ct:contentTypeSchema xmlns:ct="http://schemas.microsoft.com/office/2006/metadata/contentType" xmlns:ma="http://schemas.microsoft.com/office/2006/metadata/properties/metaAttributes" ct:_="" ma:_="" ma:contentTypeName="Document" ma:contentTypeID="0x01010079F111ED35F8CC479449609E8A0923A6" ma:contentTypeVersion="12" ma:contentTypeDescription="Create a new document." ma:contentTypeScope="" ma:versionID="a410dd7f93c95333ffa1b60ed6adedd1">
   <xsd:schema xmlns:xsd="http://www.w3.org/2001/XMLSchema" xmlns:xs="http://www.w3.org/2001/XMLSchema" xmlns:p="http://schemas.microsoft.com/office/2006/metadata/properties" xmlns:ns2="71af3243-3dd4-4a8d-8c0d-dd76da1f02a5" xmlns:ns3="16c05727-aa75-4e4a-9b5f-8a80a1165891" targetNamespace="http://schemas.microsoft.com/office/2006/metadata/properties" ma:root="true" ma:fieldsID="a936d9baba76aa3866493feff160faab" ns2:_="" ns3:_="">
     <xsd:import namespace="71af3243-3dd4-4a8d-8c0d-dd76da1f02a5"/>
@@ -7470,10 +7432,39 @@
 </ct:contentTypeSchema>
 </file>
 
+<file path=customXml/item2.xml><?xml version="1.0" encoding="utf-8"?>
+<p:properties xmlns:p="http://schemas.microsoft.com/office/2006/metadata/properties" xmlns:xsi="http://www.w3.org/2001/XMLSchema-instance" xmlns:pc="http://schemas.microsoft.com/office/infopath/2007/PartnerControls">
+  <documentManagement>
+    <Status xmlns="71af3243-3dd4-4a8d-8c0d-dd76da1f02a5">Not started</Status>
+    <MediaServiceKeyPoints xmlns="71af3243-3dd4-4a8d-8c0d-dd76da1f02a5" xsi:nil="true"/>
+  </documentManagement>
+</p:properties>
+</file>
+
+<file path=customXml/item3.xml><?xml version="1.0" encoding="utf-8"?>
+<?mso-contentType ?>
+<FormTemplates xmlns="http://schemas.microsoft.com/sharepoint/v3/contenttype/forms">
+  <Display>DocumentLibraryForm</Display>
+  <Edit>DocumentLibraryForm</Edit>
+  <New>DocumentLibraryForm</New>
+</FormTemplates>
+</file>
+
 <file path=customXml/itemProps1.xml><?xml version="1.0" encoding="utf-8"?>
-<ds:datastoreItem xmlns:ds="http://schemas.openxmlformats.org/officeDocument/2006/customXml" ds:itemID="{927BD4C1-B6B1-4715-ABF9-E660A51A4EA0}">
+<ds:datastoreItem xmlns:ds="http://schemas.openxmlformats.org/officeDocument/2006/customXml" ds:itemID="{41E7CA09-9778-4414-AE97-8064B12DA30E}">
   <ds:schemaRefs>
-    <ds:schemaRef ds:uri="http://schemas.microsoft.com/sharepoint/v3/contenttype/forms"/>
+    <ds:schemaRef ds:uri="16c05727-aa75-4e4a-9b5f-8a80a1165891"/>
+    <ds:schemaRef ds:uri="71af3243-3dd4-4a8d-8c0d-dd76da1f02a5"/>
+    <ds:schemaRef ds:uri="http://purl.org/dc/elements/1.1/"/>
+    <ds:schemaRef ds:uri="http://purl.org/dc/terms/"/>
+    <ds:schemaRef ds:uri="http://schemas.microsoft.com/internal/obd"/>
+    <ds:schemaRef ds:uri="http://schemas.microsoft.com/office/2006/documentManagement/types"/>
+    <ds:schemaRef ds:uri="http://schemas.microsoft.com/office/2006/metadata/contentType"/>
+    <ds:schemaRef ds:uri="http://schemas.microsoft.com/office/2006/metadata/properties"/>
+    <ds:schemaRef ds:uri="http://schemas.microsoft.com/office/2006/metadata/properties/metaAttributes"/>
+    <ds:schemaRef ds:uri="http://schemas.microsoft.com/office/infopath/2007/PartnerControls"/>
+    <ds:schemaRef ds:uri="http://schemas.openxmlformats.org/package/2006/metadata/core-properties"/>
+    <ds:schemaRef ds:uri="http://www.w3.org/2001/XMLSchema"/>
   </ds:schemaRefs>
 </ds:datastoreItem>
 </file>
@@ -7496,20 +7487,9 @@
 </file>
 
 <file path=customXml/itemProps3.xml><?xml version="1.0" encoding="utf-8"?>
-<ds:datastoreItem xmlns:ds="http://schemas.openxmlformats.org/officeDocument/2006/customXml" ds:itemID="{41E7CA09-9778-4414-AE97-8064B12DA30E}">
+<ds:datastoreItem xmlns:ds="http://schemas.openxmlformats.org/officeDocument/2006/customXml" ds:itemID="{927BD4C1-B6B1-4715-ABF9-E660A51A4EA0}">
   <ds:schemaRefs>
-    <ds:schemaRef ds:uri="16c05727-aa75-4e4a-9b5f-8a80a1165891"/>
-    <ds:schemaRef ds:uri="71af3243-3dd4-4a8d-8c0d-dd76da1f02a5"/>
-    <ds:schemaRef ds:uri="http://purl.org/dc/elements/1.1/"/>
-    <ds:schemaRef ds:uri="http://purl.org/dc/terms/"/>
-    <ds:schemaRef ds:uri="http://schemas.microsoft.com/internal/obd"/>
-    <ds:schemaRef ds:uri="http://schemas.microsoft.com/office/2006/documentManagement/types"/>
-    <ds:schemaRef ds:uri="http://schemas.microsoft.com/office/2006/metadata/contentType"/>
-    <ds:schemaRef ds:uri="http://schemas.microsoft.com/office/2006/metadata/properties"/>
-    <ds:schemaRef ds:uri="http://schemas.microsoft.com/office/2006/metadata/properties/metaAttributes"/>
-    <ds:schemaRef ds:uri="http://schemas.microsoft.com/office/infopath/2007/PartnerControls"/>
-    <ds:schemaRef ds:uri="http://schemas.openxmlformats.org/package/2006/metadata/core-properties"/>
-    <ds:schemaRef ds:uri="http://www.w3.org/2001/XMLSchema"/>
+    <ds:schemaRef ds:uri="http://schemas.microsoft.com/sharepoint/v3/contenttype/forms"/>
   </ds:schemaRefs>
 </ds:datastoreItem>
 </file>